--- a/doc/ref_model/figures/RM-Ch08-HMC-Image-1.pptx
+++ b/doc/ref_model/figures/RM-Ch08-HMC-Image-1.pptx
@@ -104,6 +104,11 @@
       </a:defRPr>
     </a:lvl9pPr>
   </p:defaultTextStyle>
+  <p:extLst>
+    <p:ext uri="{EFAFB233-063F-42B5-8137-9DF3F51BA10A}">
+      <p15:sldGuideLst xmlns:p15="http://schemas.microsoft.com/office/powerpoint/2012/main"/>
+    </p:ext>
+  </p:extLst>
 </p:presentation>
 </file>
 
@@ -254,7 +259,7 @@
           <a:p>
             <a:fld id="{DC95E533-58CD-4236-87BB-AD6EE148A7A6}" type="datetimeFigureOut">
               <a:rPr lang="en-US" smtClean="0"/>
-              <a:t>12/7/2020</a:t>
+              <a:t>12/9/2020</a:t>
             </a:fld>
             <a:endParaRPr lang="en-US"/>
           </a:p>
@@ -452,7 +457,7 @@
           <a:p>
             <a:fld id="{DC95E533-58CD-4236-87BB-AD6EE148A7A6}" type="datetimeFigureOut">
               <a:rPr lang="en-US" smtClean="0"/>
-              <a:t>12/7/2020</a:t>
+              <a:t>12/9/2020</a:t>
             </a:fld>
             <a:endParaRPr lang="en-US"/>
           </a:p>
@@ -660,7 +665,7 @@
           <a:p>
             <a:fld id="{DC95E533-58CD-4236-87BB-AD6EE148A7A6}" type="datetimeFigureOut">
               <a:rPr lang="en-US" smtClean="0"/>
-              <a:t>12/7/2020</a:t>
+              <a:t>12/9/2020</a:t>
             </a:fld>
             <a:endParaRPr lang="en-US"/>
           </a:p>
@@ -858,7 +863,7 @@
           <a:p>
             <a:fld id="{DC95E533-58CD-4236-87BB-AD6EE148A7A6}" type="datetimeFigureOut">
               <a:rPr lang="en-US" smtClean="0"/>
-              <a:t>12/7/2020</a:t>
+              <a:t>12/9/2020</a:t>
             </a:fld>
             <a:endParaRPr lang="en-US"/>
           </a:p>
@@ -1133,7 +1138,7 @@
           <a:p>
             <a:fld id="{DC95E533-58CD-4236-87BB-AD6EE148A7A6}" type="datetimeFigureOut">
               <a:rPr lang="en-US" smtClean="0"/>
-              <a:t>12/7/2020</a:t>
+              <a:t>12/9/2020</a:t>
             </a:fld>
             <a:endParaRPr lang="en-US"/>
           </a:p>
@@ -1398,7 +1403,7 @@
           <a:p>
             <a:fld id="{DC95E533-58CD-4236-87BB-AD6EE148A7A6}" type="datetimeFigureOut">
               <a:rPr lang="en-US" smtClean="0"/>
-              <a:t>12/7/2020</a:t>
+              <a:t>12/9/2020</a:t>
             </a:fld>
             <a:endParaRPr lang="en-US"/>
           </a:p>
@@ -1810,7 +1815,7 @@
           <a:p>
             <a:fld id="{DC95E533-58CD-4236-87BB-AD6EE148A7A6}" type="datetimeFigureOut">
               <a:rPr lang="en-US" smtClean="0"/>
-              <a:t>12/7/2020</a:t>
+              <a:t>12/9/2020</a:t>
             </a:fld>
             <a:endParaRPr lang="en-US"/>
           </a:p>
@@ -1951,7 +1956,7 @@
           <a:p>
             <a:fld id="{DC95E533-58CD-4236-87BB-AD6EE148A7A6}" type="datetimeFigureOut">
               <a:rPr lang="en-US" smtClean="0"/>
-              <a:t>12/7/2020</a:t>
+              <a:t>12/9/2020</a:t>
             </a:fld>
             <a:endParaRPr lang="en-US"/>
           </a:p>
@@ -2064,7 +2069,7 @@
           <a:p>
             <a:fld id="{DC95E533-58CD-4236-87BB-AD6EE148A7A6}" type="datetimeFigureOut">
               <a:rPr lang="en-US" smtClean="0"/>
-              <a:t>12/7/2020</a:t>
+              <a:t>12/9/2020</a:t>
             </a:fld>
             <a:endParaRPr lang="en-US"/>
           </a:p>
@@ -2375,7 +2380,7 @@
           <a:p>
             <a:fld id="{DC95E533-58CD-4236-87BB-AD6EE148A7A6}" type="datetimeFigureOut">
               <a:rPr lang="en-US" smtClean="0"/>
-              <a:t>12/7/2020</a:t>
+              <a:t>12/9/2020</a:t>
             </a:fld>
             <a:endParaRPr lang="en-US"/>
           </a:p>
@@ -2663,7 +2668,7 @@
           <a:p>
             <a:fld id="{DC95E533-58CD-4236-87BB-AD6EE148A7A6}" type="datetimeFigureOut">
               <a:rPr lang="en-US" smtClean="0"/>
-              <a:t>12/7/2020</a:t>
+              <a:t>12/9/2020</a:t>
             </a:fld>
             <a:endParaRPr lang="en-US"/>
           </a:p>
@@ -2904,7 +2909,7 @@
           <a:p>
             <a:fld id="{DC95E533-58CD-4236-87BB-AD6EE148A7A6}" type="datetimeFigureOut">
               <a:rPr lang="en-US" smtClean="0"/>
-              <a:t>12/7/2020</a:t>
+              <a:t>12/9/2020</a:t>
             </a:fld>
             <a:endParaRPr lang="en-US"/>
           </a:p>
@@ -3482,8 +3487,21 @@
                     <a:schemeClr val="bg1"/>
                   </a:solidFill>
                 </a:rPr>
-                <a:t>Private – Cloud Vendor*</a:t>
+                <a:t>Private – </a:t>
               </a:r>
+              <a:r>
+                <a:rPr lang="en-US" sz="1200">
+                  <a:solidFill>
+                    <a:schemeClr val="bg1"/>
+                  </a:solidFill>
+                </a:rPr>
+                <a:t>Cloud Vendor</a:t>
+              </a:r>
+              <a:endParaRPr lang="en-US" sz="1200" dirty="0">
+                <a:solidFill>
+                  <a:schemeClr val="bg1"/>
+                </a:solidFill>
+              </a:endParaRPr>
             </a:p>
             <a:p>
               <a:pPr algn="ctr"/>
